--- a/12_Paper Reading - HW1 [Searching for Robot in Education paper]/Paper Reading - HW1.pptx
+++ b/12_Paper Reading - HW1 [Searching for Robot in Education paper]/Paper Reading - HW1.pptx
@@ -350,7 +350,7 @@
           <a:p>
             <a:fld id="{9719FF5D-70B1-451D-8B44-F86D916A181F}" type="datetimeFigureOut">
               <a:rPr lang="en-ID" smtClean="0"/>
-              <a:t>05/08/2019</a:t>
+              <a:t>07/08/2019</a:t>
             </a:fld>
             <a:endParaRPr lang="en-ID"/>
           </a:p>
@@ -563,7 +563,7 @@
           <a:p>
             <a:fld id="{9719FF5D-70B1-451D-8B44-F86D916A181F}" type="datetimeFigureOut">
               <a:rPr lang="en-ID" smtClean="0"/>
-              <a:t>05/08/2019</a:t>
+              <a:t>07/08/2019</a:t>
             </a:fld>
             <a:endParaRPr lang="en-ID"/>
           </a:p>
@@ -819,7 +819,7 @@
           <a:p>
             <a:fld id="{9719FF5D-70B1-451D-8B44-F86D916A181F}" type="datetimeFigureOut">
               <a:rPr lang="en-ID" smtClean="0"/>
-              <a:t>05/08/2019</a:t>
+              <a:t>07/08/2019</a:t>
             </a:fld>
             <a:endParaRPr lang="en-ID"/>
           </a:p>
@@ -993,7 +993,7 @@
           <a:p>
             <a:fld id="{9719FF5D-70B1-451D-8B44-F86D916A181F}" type="datetimeFigureOut">
               <a:rPr lang="en-ID" smtClean="0"/>
-              <a:t>05/08/2019</a:t>
+              <a:t>07/08/2019</a:t>
             </a:fld>
             <a:endParaRPr lang="en-ID"/>
           </a:p>
@@ -1336,7 +1336,7 @@
           <a:p>
             <a:fld id="{9719FF5D-70B1-451D-8B44-F86D916A181F}" type="datetimeFigureOut">
               <a:rPr lang="en-ID" smtClean="0"/>
-              <a:t>05/08/2019</a:t>
+              <a:t>07/08/2019</a:t>
             </a:fld>
             <a:endParaRPr lang="en-ID"/>
           </a:p>
@@ -1611,7 +1611,7 @@
           <a:p>
             <a:fld id="{9719FF5D-70B1-451D-8B44-F86D916A181F}" type="datetimeFigureOut">
               <a:rPr lang="en-ID" smtClean="0"/>
-              <a:t>05/08/2019</a:t>
+              <a:t>07/08/2019</a:t>
             </a:fld>
             <a:endParaRPr lang="en-ID"/>
           </a:p>
@@ -1990,7 +1990,7 @@
           <a:p>
             <a:fld id="{9719FF5D-70B1-451D-8B44-F86D916A181F}" type="datetimeFigureOut">
               <a:rPr lang="en-ID" smtClean="0"/>
-              <a:t>05/08/2019</a:t>
+              <a:t>07/08/2019</a:t>
             </a:fld>
             <a:endParaRPr lang="en-ID"/>
           </a:p>
@@ -2108,7 +2108,7 @@
           <a:p>
             <a:fld id="{9719FF5D-70B1-451D-8B44-F86D916A181F}" type="datetimeFigureOut">
               <a:rPr lang="en-ID" smtClean="0"/>
-              <a:t>05/08/2019</a:t>
+              <a:t>07/08/2019</a:t>
             </a:fld>
             <a:endParaRPr lang="en-ID"/>
           </a:p>
@@ -2279,7 +2279,7 @@
           <a:p>
             <a:fld id="{9719FF5D-70B1-451D-8B44-F86D916A181F}" type="datetimeFigureOut">
               <a:rPr lang="en-ID" smtClean="0"/>
-              <a:t>05/08/2019</a:t>
+              <a:t>07/08/2019</a:t>
             </a:fld>
             <a:endParaRPr lang="en-ID"/>
           </a:p>
@@ -2638,7 +2638,7 @@
           <a:p>
             <a:fld id="{9719FF5D-70B1-451D-8B44-F86D916A181F}" type="datetimeFigureOut">
               <a:rPr lang="en-ID" smtClean="0"/>
-              <a:t>05/08/2019</a:t>
+              <a:t>07/08/2019</a:t>
             </a:fld>
             <a:endParaRPr lang="en-ID"/>
           </a:p>
@@ -3025,7 +3025,7 @@
           <a:p>
             <a:fld id="{9719FF5D-70B1-451D-8B44-F86D916A181F}" type="datetimeFigureOut">
               <a:rPr lang="en-ID" smtClean="0"/>
-              <a:t>05/08/2019</a:t>
+              <a:t>07/08/2019</a:t>
             </a:fld>
             <a:endParaRPr lang="en-ID"/>
           </a:p>
@@ -3312,7 +3312,7 @@
           <a:p>
             <a:fld id="{9719FF5D-70B1-451D-8B44-F86D916A181F}" type="datetimeFigureOut">
               <a:rPr lang="en-ID" smtClean="0"/>
-              <a:t>05/08/2019</a:t>
+              <a:t>07/08/2019</a:t>
             </a:fld>
             <a:endParaRPr lang="en-ID"/>
           </a:p>
@@ -5172,7 +5172,7 @@
         </p:blipFill>
         <p:spPr>
           <a:xfrm>
-            <a:off x="7162800" y="2152649"/>
+            <a:off x="6972300" y="1504489"/>
             <a:ext cx="5029200" cy="3521096"/>
           </a:xfrm>
           <a:prstGeom prst="rect">
@@ -5202,7 +5202,7 @@
         </p:blipFill>
         <p:spPr>
           <a:xfrm>
-            <a:off x="8143876" y="690562"/>
+            <a:off x="6972300" y="233362"/>
             <a:ext cx="3305175" cy="1238250"/>
           </a:xfrm>
           <a:prstGeom prst="rect">
@@ -5285,7 +5285,7 @@
         <p:spPr>
           <a:xfrm>
             <a:off x="1533525" y="4695825"/>
-            <a:ext cx="1323975" cy="219075"/>
+            <a:ext cx="1323975" cy="366505"/>
           </a:xfrm>
           <a:prstGeom prst="rect">
             <a:avLst/>
@@ -5322,6 +5322,36 @@
           </a:p>
         </p:txBody>
       </p:sp>
+      <p:pic>
+        <p:nvPicPr>
+          <p:cNvPr id="4" name="Picture 3">
+            <a:extLst>
+              <a:ext uri="{FF2B5EF4-FFF2-40B4-BE49-F238E27FC236}">
+                <a16:creationId xmlns:a16="http://schemas.microsoft.com/office/drawing/2014/main" id="{CDA89951-E754-4415-8C26-94DD599A6A63}"/>
+              </a:ext>
+            </a:extLst>
+          </p:cNvPr>
+          <p:cNvPicPr>
+            <a:picLocks noChangeAspect="1"/>
+          </p:cNvPicPr>
+          <p:nvPr/>
+        </p:nvPicPr>
+        <p:blipFill>
+          <a:blip r:embed="rId6"/>
+          <a:stretch>
+            <a:fillRect/>
+          </a:stretch>
+        </p:blipFill>
+        <p:spPr>
+          <a:xfrm>
+            <a:off x="7021375" y="1471611"/>
+            <a:ext cx="5170625" cy="4924809"/>
+          </a:xfrm>
+          <a:prstGeom prst="rect">
+            <a:avLst/>
+          </a:prstGeom>
+        </p:spPr>
+      </p:pic>
     </p:spTree>
     <p:extLst>
       <p:ext uri="{BB962C8B-B14F-4D97-AF65-F5344CB8AC3E}">
@@ -5634,6 +5664,59 @@
                                           </p:stCondLst>
                                         </p:cTn>
                                         <p:tgtEl>
+                                          <p:spTgt spid="4"/>
+                                        </p:tgtEl>
+                                        <p:attrNameLst>
+                                          <p:attrName>style.visibility</p:attrName>
+                                        </p:attrNameLst>
+                                      </p:cBhvr>
+                                      <p:to>
+                                        <p:strVal val="visible"/>
+                                      </p:to>
+                                    </p:set>
+                                    <p:animEffect transition="in" filter="fade">
+                                      <p:cBhvr>
+                                        <p:cTn id="32" dur="500"/>
+                                        <p:tgtEl>
+                                          <p:spTgt spid="4"/>
+                                        </p:tgtEl>
+                                      </p:cBhvr>
+                                    </p:animEffect>
+                                  </p:childTnLst>
+                                </p:cTn>
+                              </p:par>
+                            </p:childTnLst>
+                          </p:cTn>
+                        </p:par>
+                      </p:childTnLst>
+                    </p:cTn>
+                  </p:par>
+                  <p:par>
+                    <p:cTn id="33" fill="hold">
+                      <p:stCondLst>
+                        <p:cond delay="indefinite"/>
+                      </p:stCondLst>
+                      <p:childTnLst>
+                        <p:par>
+                          <p:cTn id="34" fill="hold">
+                            <p:stCondLst>
+                              <p:cond delay="0"/>
+                            </p:stCondLst>
+                            <p:childTnLst>
+                              <p:par>
+                                <p:cTn id="35" presetID="10" presetClass="entr" presetSubtype="0" fill="hold" nodeType="clickEffect">
+                                  <p:stCondLst>
+                                    <p:cond delay="0"/>
+                                  </p:stCondLst>
+                                  <p:childTnLst>
+                                    <p:set>
+                                      <p:cBhvr>
+                                        <p:cTn id="36" dur="1" fill="hold">
+                                          <p:stCondLst>
+                                            <p:cond delay="0"/>
+                                          </p:stCondLst>
+                                        </p:cTn>
+                                        <p:tgtEl>
                                           <p:spTgt spid="8"/>
                                         </p:tgtEl>
                                         <p:attrNameLst>
@@ -5646,7 +5729,7 @@
                                     </p:set>
                                     <p:animEffect transition="in" filter="fade">
                                       <p:cBhvr>
-                                        <p:cTn id="32" dur="500"/>
+                                        <p:cTn id="37" dur="500"/>
                                         <p:tgtEl>
                                           <p:spTgt spid="8"/>
                                         </p:tgtEl>
